--- a/My real work/my_master_slides.pptx
+++ b/My real work/my_master_slides.pptx
@@ -5,7 +5,7 @@
     <p:sldMasterId id="2147483660" r:id="rId1"/>
   </p:sldMasterIdLst>
   <p:notesMasterIdLst>
-    <p:notesMasterId r:id="rId17"/>
+    <p:notesMasterId r:id="rId18"/>
   </p:notesMasterIdLst>
   <p:sldIdLst>
     <p:sldId id="256" r:id="rId2"/>
@@ -20,9 +20,10 @@
     <p:sldId id="265" r:id="rId11"/>
     <p:sldId id="266" r:id="rId12"/>
     <p:sldId id="267" r:id="rId13"/>
-    <p:sldId id="270" r:id="rId14"/>
-    <p:sldId id="268" r:id="rId15"/>
-    <p:sldId id="269" r:id="rId16"/>
+    <p:sldId id="271" r:id="rId14"/>
+    <p:sldId id="270" r:id="rId15"/>
+    <p:sldId id="268" r:id="rId16"/>
+    <p:sldId id="269" r:id="rId17"/>
   </p:sldIdLst>
   <p:sldSz cx="9144000" cy="6858000" type="screen4x3"/>
   <p:notesSz cx="7010400" cy="9296400"/>
@@ -275,11 +276,11 @@
         </c:dLbls>
         <c:gapWidth val="219"/>
         <c:overlap val="-27"/>
-        <c:axId val="538672104"/>
-        <c:axId val="538674848"/>
+        <c:axId val="252559136"/>
+        <c:axId val="252559528"/>
       </c:barChart>
       <c:catAx>
-        <c:axId val="538672104"/>
+        <c:axId val="252559136"/>
         <c:scaling>
           <c:orientation val="minMax"/>
         </c:scaling>
@@ -321,7 +322,7 @@
             <a:endParaRPr lang="en-US"/>
           </a:p>
         </c:txPr>
-        <c:crossAx val="538674848"/>
+        <c:crossAx val="252559528"/>
         <c:crosses val="autoZero"/>
         <c:auto val="1"/>
         <c:lblAlgn val="ctr"/>
@@ -329,7 +330,7 @@
         <c:noMultiLvlLbl val="0"/>
       </c:catAx>
       <c:valAx>
-        <c:axId val="538674848"/>
+        <c:axId val="252559528"/>
         <c:scaling>
           <c:orientation val="minMax"/>
         </c:scaling>
@@ -380,7 +381,7 @@
             <a:endParaRPr lang="en-US"/>
           </a:p>
         </c:txPr>
-        <c:crossAx val="538672104"/>
+        <c:crossAx val="252559136"/>
         <c:crosses val="autoZero"/>
         <c:crossBetween val="between"/>
       </c:valAx>
@@ -451,6 +452,303 @@
 </c:chartSpace>
 </file>
 
+<file path=ppt/charts/chart2.xml><?xml version="1.0" encoding="utf-8"?>
+<c:chartSpace xmlns:c="http://schemas.openxmlformats.org/drawingml/2006/chart" xmlns:a="http://schemas.openxmlformats.org/drawingml/2006/main" xmlns:r="http://schemas.openxmlformats.org/officeDocument/2006/relationships">
+  <c:date1904 val="0"/>
+  <c:lang val="en-US"/>
+  <c:roundedCorners val="0"/>
+  <mc:AlternateContent xmlns:mc="http://schemas.openxmlformats.org/markup-compatibility/2006">
+    <mc:Choice xmlns:c14="http://schemas.microsoft.com/office/drawing/2007/8/2/chart" Requires="c14">
+      <c14:style val="102"/>
+    </mc:Choice>
+    <mc:Fallback>
+      <c:style val="2"/>
+    </mc:Fallback>
+  </mc:AlternateContent>
+  <c:chart>
+    <c:title>
+      <c:tx>
+        <c:rich>
+          <a:bodyPr rot="0" spcFirstLastPara="1" vertOverflow="ellipsis" vert="horz" wrap="square" anchor="ctr" anchorCtr="1"/>
+          <a:lstStyle/>
+          <a:p>
+            <a:pPr>
+              <a:defRPr sz="1400" b="0" i="0" u="none" strike="noStrike" kern="1200" spc="0" baseline="0">
+                <a:solidFill>
+                  <a:schemeClr val="tx1">
+                    <a:lumMod val="65000"/>
+                    <a:lumOff val="35000"/>
+                  </a:schemeClr>
+                </a:solidFill>
+                <a:latin typeface="+mn-lt"/>
+                <a:ea typeface="+mn-ea"/>
+                <a:cs typeface="+mn-cs"/>
+              </a:defRPr>
+            </a:pPr>
+            <a:r>
+              <a:rPr lang="hy-AM" dirty="0">
+                <a:solidFill>
+                  <a:srgbClr val="002060"/>
+                </a:solidFill>
+                <a:latin typeface="Sylfaen" panose="010A0502050306030303" pitchFamily="18" charset="0"/>
+              </a:rPr>
+              <a:t>Մոդելավորման ժամանակ</a:t>
+            </a:r>
+          </a:p>
+        </c:rich>
+      </c:tx>
+      <c:layout/>
+      <c:overlay val="0"/>
+      <c:spPr>
+        <a:noFill/>
+        <a:ln>
+          <a:noFill/>
+        </a:ln>
+        <a:effectLst/>
+      </c:spPr>
+      <c:txPr>
+        <a:bodyPr rot="0" spcFirstLastPara="1" vertOverflow="ellipsis" vert="horz" wrap="square" anchor="ctr" anchorCtr="1"/>
+        <a:lstStyle/>
+        <a:p>
+          <a:pPr>
+            <a:defRPr sz="1400" b="0" i="0" u="none" strike="noStrike" kern="1200" spc="0" baseline="0">
+              <a:solidFill>
+                <a:schemeClr val="tx1">
+                  <a:lumMod val="65000"/>
+                  <a:lumOff val="35000"/>
+                </a:schemeClr>
+              </a:solidFill>
+              <a:latin typeface="+mn-lt"/>
+              <a:ea typeface="+mn-ea"/>
+              <a:cs typeface="+mn-cs"/>
+            </a:defRPr>
+          </a:pPr>
+          <a:endParaRPr lang="en-US"/>
+        </a:p>
+      </c:txPr>
+    </c:title>
+    <c:autoTitleDeleted val="0"/>
+    <c:plotArea>
+      <c:layout/>
+      <c:barChart>
+        <c:barDir val="col"/>
+        <c:grouping val="clustered"/>
+        <c:varyColors val="0"/>
+        <c:ser>
+          <c:idx val="0"/>
+          <c:order val="0"/>
+          <c:tx>
+            <c:strRef>
+              <c:f>Sheet1!$B$1</c:f>
+              <c:strCache>
+                <c:ptCount val="1"/>
+                <c:pt idx="0">
+                  <c:v>Մոդելավորման ժամանակ</c:v>
+                </c:pt>
+              </c:strCache>
+            </c:strRef>
+          </c:tx>
+          <c:spPr>
+            <a:solidFill>
+              <a:schemeClr val="accent1"/>
+            </a:solidFill>
+            <a:ln>
+              <a:noFill/>
+            </a:ln>
+            <a:effectLst/>
+          </c:spPr>
+          <c:invertIfNegative val="0"/>
+          <c:cat>
+            <c:strRef>
+              <c:f>Sheet1!$A$2:$A$4</c:f>
+              <c:strCache>
+                <c:ptCount val="3"/>
+                <c:pt idx="0">
+                  <c:v>VCS Synopsys</c:v>
+                </c:pt>
+                <c:pt idx="1">
+                  <c:v>ModelSim Mentor Graphics</c:v>
+                </c:pt>
+                <c:pt idx="2">
+                  <c:v>MySim</c:v>
+                </c:pt>
+              </c:strCache>
+            </c:strRef>
+          </c:cat>
+          <c:val>
+            <c:numRef>
+              <c:f>Sheet1!$B$2:$B$4</c:f>
+              <c:numCache>
+                <c:formatCode>General</c:formatCode>
+                <c:ptCount val="3"/>
+                <c:pt idx="0">
+                  <c:v>5.8000000000000003E-2</c:v>
+                </c:pt>
+                <c:pt idx="1">
+                  <c:v>6.7000000000000004E-2</c:v>
+                </c:pt>
+                <c:pt idx="2">
+                  <c:v>0.09</c:v>
+                </c:pt>
+              </c:numCache>
+            </c:numRef>
+          </c:val>
+        </c:ser>
+        <c:dLbls>
+          <c:showLegendKey val="0"/>
+          <c:showVal val="0"/>
+          <c:showCatName val="0"/>
+          <c:showSerName val="0"/>
+          <c:showPercent val="0"/>
+          <c:showBubbleSize val="0"/>
+        </c:dLbls>
+        <c:gapWidth val="219"/>
+        <c:overlap val="-27"/>
+        <c:axId val="546112008"/>
+        <c:axId val="546111224"/>
+      </c:barChart>
+      <c:catAx>
+        <c:axId val="546112008"/>
+        <c:scaling>
+          <c:orientation val="minMax"/>
+        </c:scaling>
+        <c:delete val="0"/>
+        <c:axPos val="b"/>
+        <c:numFmt formatCode="General" sourceLinked="1"/>
+        <c:majorTickMark val="none"/>
+        <c:minorTickMark val="none"/>
+        <c:tickLblPos val="nextTo"/>
+        <c:spPr>
+          <a:noFill/>
+          <a:ln w="9525" cap="flat" cmpd="sng" algn="ctr">
+            <a:solidFill>
+              <a:schemeClr val="tx1">
+                <a:lumMod val="15000"/>
+                <a:lumOff val="85000"/>
+              </a:schemeClr>
+            </a:solidFill>
+            <a:round/>
+          </a:ln>
+          <a:effectLst/>
+        </c:spPr>
+        <c:txPr>
+          <a:bodyPr rot="-60000000" spcFirstLastPara="1" vertOverflow="ellipsis" vert="horz" wrap="square" anchor="ctr" anchorCtr="1"/>
+          <a:lstStyle/>
+          <a:p>
+            <a:pPr>
+              <a:defRPr sz="900" b="0" i="0" u="none" strike="noStrike" kern="1200" baseline="0">
+                <a:solidFill>
+                  <a:schemeClr val="tx1">
+                    <a:lumMod val="65000"/>
+                    <a:lumOff val="35000"/>
+                  </a:schemeClr>
+                </a:solidFill>
+                <a:latin typeface="+mn-lt"/>
+                <a:ea typeface="+mn-ea"/>
+                <a:cs typeface="+mn-cs"/>
+              </a:defRPr>
+            </a:pPr>
+            <a:endParaRPr lang="en-US"/>
+          </a:p>
+        </c:txPr>
+        <c:crossAx val="546111224"/>
+        <c:crosses val="autoZero"/>
+        <c:auto val="1"/>
+        <c:lblAlgn val="ctr"/>
+        <c:lblOffset val="100"/>
+        <c:noMultiLvlLbl val="0"/>
+      </c:catAx>
+      <c:valAx>
+        <c:axId val="546111224"/>
+        <c:scaling>
+          <c:orientation val="minMax"/>
+        </c:scaling>
+        <c:delete val="0"/>
+        <c:axPos val="l"/>
+        <c:majorGridlines>
+          <c:spPr>
+            <a:ln w="9525" cap="flat" cmpd="sng" algn="ctr">
+              <a:solidFill>
+                <a:schemeClr val="tx1">
+                  <a:lumMod val="15000"/>
+                  <a:lumOff val="85000"/>
+                </a:schemeClr>
+              </a:solidFill>
+              <a:round/>
+            </a:ln>
+            <a:effectLst/>
+          </c:spPr>
+        </c:majorGridlines>
+        <c:numFmt formatCode="General" sourceLinked="1"/>
+        <c:majorTickMark val="none"/>
+        <c:minorTickMark val="none"/>
+        <c:tickLblPos val="nextTo"/>
+        <c:spPr>
+          <a:noFill/>
+          <a:ln>
+            <a:noFill/>
+          </a:ln>
+          <a:effectLst/>
+        </c:spPr>
+        <c:txPr>
+          <a:bodyPr rot="-60000000" spcFirstLastPara="1" vertOverflow="ellipsis" vert="horz" wrap="square" anchor="ctr" anchorCtr="1"/>
+          <a:lstStyle/>
+          <a:p>
+            <a:pPr>
+              <a:defRPr sz="900" b="0" i="0" u="none" strike="noStrike" kern="1200" baseline="0">
+                <a:solidFill>
+                  <a:schemeClr val="tx1">
+                    <a:lumMod val="65000"/>
+                    <a:lumOff val="35000"/>
+                  </a:schemeClr>
+                </a:solidFill>
+                <a:latin typeface="+mn-lt"/>
+                <a:ea typeface="+mn-ea"/>
+                <a:cs typeface="+mn-cs"/>
+              </a:defRPr>
+            </a:pPr>
+            <a:endParaRPr lang="en-US"/>
+          </a:p>
+        </c:txPr>
+        <c:crossAx val="546112008"/>
+        <c:crosses val="autoZero"/>
+        <c:crossBetween val="between"/>
+      </c:valAx>
+      <c:spPr>
+        <a:noFill/>
+        <a:ln>
+          <a:noFill/>
+        </a:ln>
+        <a:effectLst/>
+      </c:spPr>
+    </c:plotArea>
+    <c:plotVisOnly val="1"/>
+    <c:dispBlanksAs val="gap"/>
+    <c:showDLblsOverMax val="0"/>
+  </c:chart>
+  <c:spPr>
+    <a:noFill/>
+    <a:ln>
+      <a:noFill/>
+    </a:ln>
+    <a:effectLst/>
+  </c:spPr>
+  <c:txPr>
+    <a:bodyPr/>
+    <a:lstStyle/>
+    <a:p>
+      <a:pPr>
+        <a:defRPr/>
+      </a:pPr>
+      <a:endParaRPr lang="en-US"/>
+    </a:p>
+  </c:txPr>
+  <c:externalData r:id="rId3">
+    <c:autoUpdate val="0"/>
+  </c:externalData>
+</c:chartSpace>
+</file>
+
 <file path=ppt/charts/colors1.xml><?xml version="1.0" encoding="utf-8"?>
 <cs:colorStyle xmlns:cs="http://schemas.microsoft.com/office/drawing/2012/chartStyle" xmlns:a="http://schemas.openxmlformats.org/drawingml/2006/main" meth="cycle" id="10">
   <a:schemeClr val="accent1"/>
@@ -491,7 +789,550 @@
 </cs:colorStyle>
 </file>
 
+<file path=ppt/charts/colors2.xml><?xml version="1.0" encoding="utf-8"?>
+<cs:colorStyle xmlns:cs="http://schemas.microsoft.com/office/drawing/2012/chartStyle" xmlns:a="http://schemas.openxmlformats.org/drawingml/2006/main" meth="cycle" id="10">
+  <a:schemeClr val="accent1"/>
+  <a:schemeClr val="accent2"/>
+  <a:schemeClr val="accent3"/>
+  <a:schemeClr val="accent4"/>
+  <a:schemeClr val="accent5"/>
+  <a:schemeClr val="accent6"/>
+  <cs:variation/>
+  <cs:variation>
+    <a:lumMod val="60000"/>
+  </cs:variation>
+  <cs:variation>
+    <a:lumMod val="80000"/>
+    <a:lumOff val="20000"/>
+  </cs:variation>
+  <cs:variation>
+    <a:lumMod val="80000"/>
+  </cs:variation>
+  <cs:variation>
+    <a:lumMod val="60000"/>
+    <a:lumOff val="40000"/>
+  </cs:variation>
+  <cs:variation>
+    <a:lumMod val="50000"/>
+  </cs:variation>
+  <cs:variation>
+    <a:lumMod val="70000"/>
+    <a:lumOff val="30000"/>
+  </cs:variation>
+  <cs:variation>
+    <a:lumMod val="70000"/>
+  </cs:variation>
+  <cs:variation>
+    <a:lumMod val="50000"/>
+    <a:lumOff val="50000"/>
+  </cs:variation>
+</cs:colorStyle>
+</file>
+
 <file path=ppt/charts/style1.xml><?xml version="1.0" encoding="utf-8"?>
+<cs:chartStyle xmlns:cs="http://schemas.microsoft.com/office/drawing/2012/chartStyle" xmlns:a="http://schemas.openxmlformats.org/drawingml/2006/main" id="201">
+  <cs:axisTitle>
+    <cs:lnRef idx="0"/>
+    <cs:fillRef idx="0"/>
+    <cs:effectRef idx="0"/>
+    <cs:fontRef idx="minor">
+      <a:schemeClr val="tx1">
+        <a:lumMod val="65000"/>
+        <a:lumOff val="35000"/>
+      </a:schemeClr>
+    </cs:fontRef>
+    <cs:defRPr sz="1000" kern="1200"/>
+  </cs:axisTitle>
+  <cs:categoryAxis>
+    <cs:lnRef idx="0"/>
+    <cs:fillRef idx="0"/>
+    <cs:effectRef idx="0"/>
+    <cs:fontRef idx="minor">
+      <a:schemeClr val="tx1">
+        <a:lumMod val="65000"/>
+        <a:lumOff val="35000"/>
+      </a:schemeClr>
+    </cs:fontRef>
+    <cs:spPr>
+      <a:ln w="9525" cap="flat" cmpd="sng" algn="ctr">
+        <a:solidFill>
+          <a:schemeClr val="tx1">
+            <a:lumMod val="15000"/>
+            <a:lumOff val="85000"/>
+          </a:schemeClr>
+        </a:solidFill>
+        <a:round/>
+      </a:ln>
+    </cs:spPr>
+    <cs:defRPr sz="900" kern="1200"/>
+  </cs:categoryAxis>
+  <cs:chartArea mods="allowNoFillOverride allowNoLineOverride">
+    <cs:lnRef idx="0"/>
+    <cs:fillRef idx="0"/>
+    <cs:effectRef idx="0"/>
+    <cs:fontRef idx="minor">
+      <a:schemeClr val="tx1"/>
+    </cs:fontRef>
+    <cs:spPr>
+      <a:solidFill>
+        <a:schemeClr val="bg1"/>
+      </a:solidFill>
+      <a:ln w="9525" cap="flat" cmpd="sng" algn="ctr">
+        <a:solidFill>
+          <a:schemeClr val="tx1">
+            <a:lumMod val="15000"/>
+            <a:lumOff val="85000"/>
+          </a:schemeClr>
+        </a:solidFill>
+        <a:round/>
+      </a:ln>
+    </cs:spPr>
+    <cs:defRPr sz="1000" kern="1200"/>
+  </cs:chartArea>
+  <cs:dataLabel>
+    <cs:lnRef idx="0"/>
+    <cs:fillRef idx="0"/>
+    <cs:effectRef idx="0"/>
+    <cs:fontRef idx="minor">
+      <a:schemeClr val="tx1">
+        <a:lumMod val="75000"/>
+        <a:lumOff val="25000"/>
+      </a:schemeClr>
+    </cs:fontRef>
+    <cs:defRPr sz="900" kern="1200"/>
+  </cs:dataLabel>
+  <cs:dataLabelCallout>
+    <cs:lnRef idx="0"/>
+    <cs:fillRef idx="0"/>
+    <cs:effectRef idx="0"/>
+    <cs:fontRef idx="minor">
+      <a:schemeClr val="dk1">
+        <a:lumMod val="65000"/>
+        <a:lumOff val="35000"/>
+      </a:schemeClr>
+    </cs:fontRef>
+    <cs:spPr>
+      <a:solidFill>
+        <a:schemeClr val="lt1"/>
+      </a:solidFill>
+      <a:ln>
+        <a:solidFill>
+          <a:schemeClr val="dk1">
+            <a:lumMod val="25000"/>
+            <a:lumOff val="75000"/>
+          </a:schemeClr>
+        </a:solidFill>
+      </a:ln>
+    </cs:spPr>
+    <cs:defRPr sz="900" kern="1200"/>
+    <cs:bodyPr rot="0" spcFirstLastPara="1" vertOverflow="clip" horzOverflow="clip" vert="horz" wrap="square" lIns="36576" tIns="18288" rIns="36576" bIns="18288" anchor="ctr" anchorCtr="1">
+      <a:spAutoFit/>
+    </cs:bodyPr>
+  </cs:dataLabelCallout>
+  <cs:dataPoint>
+    <cs:lnRef idx="0"/>
+    <cs:fillRef idx="1">
+      <cs:styleClr val="auto"/>
+    </cs:fillRef>
+    <cs:effectRef idx="0"/>
+    <cs:fontRef idx="minor">
+      <a:schemeClr val="tx1"/>
+    </cs:fontRef>
+  </cs:dataPoint>
+  <cs:dataPoint3D>
+    <cs:lnRef idx="0"/>
+    <cs:fillRef idx="1">
+      <cs:styleClr val="auto"/>
+    </cs:fillRef>
+    <cs:effectRef idx="0"/>
+    <cs:fontRef idx="minor">
+      <a:schemeClr val="tx1"/>
+    </cs:fontRef>
+  </cs:dataPoint3D>
+  <cs:dataPointLine>
+    <cs:lnRef idx="0">
+      <cs:styleClr val="auto"/>
+    </cs:lnRef>
+    <cs:fillRef idx="1"/>
+    <cs:effectRef idx="0"/>
+    <cs:fontRef idx="minor">
+      <a:schemeClr val="tx1"/>
+    </cs:fontRef>
+    <cs:spPr>
+      <a:ln w="28575" cap="rnd">
+        <a:solidFill>
+          <a:schemeClr val="phClr"/>
+        </a:solidFill>
+        <a:round/>
+      </a:ln>
+    </cs:spPr>
+  </cs:dataPointLine>
+  <cs:dataPointMarker>
+    <cs:lnRef idx="0">
+      <cs:styleClr val="auto"/>
+    </cs:lnRef>
+    <cs:fillRef idx="1">
+      <cs:styleClr val="auto"/>
+    </cs:fillRef>
+    <cs:effectRef idx="0"/>
+    <cs:fontRef idx="minor">
+      <a:schemeClr val="tx1"/>
+    </cs:fontRef>
+    <cs:spPr>
+      <a:ln w="9525">
+        <a:solidFill>
+          <a:schemeClr val="phClr"/>
+        </a:solidFill>
+      </a:ln>
+    </cs:spPr>
+  </cs:dataPointMarker>
+  <cs:dataPointMarkerLayout symbol="circle" size="5"/>
+  <cs:dataPointWireframe>
+    <cs:lnRef idx="0">
+      <cs:styleClr val="auto"/>
+    </cs:lnRef>
+    <cs:fillRef idx="1"/>
+    <cs:effectRef idx="0"/>
+    <cs:fontRef idx="minor">
+      <a:schemeClr val="tx1"/>
+    </cs:fontRef>
+    <cs:spPr>
+      <a:ln w="9525" cap="rnd">
+        <a:solidFill>
+          <a:schemeClr val="phClr"/>
+        </a:solidFill>
+        <a:round/>
+      </a:ln>
+    </cs:spPr>
+  </cs:dataPointWireframe>
+  <cs:dataTable>
+    <cs:lnRef idx="0"/>
+    <cs:fillRef idx="0"/>
+    <cs:effectRef idx="0"/>
+    <cs:fontRef idx="minor">
+      <a:schemeClr val="tx1">
+        <a:lumMod val="65000"/>
+        <a:lumOff val="35000"/>
+      </a:schemeClr>
+    </cs:fontRef>
+    <cs:spPr>
+      <a:noFill/>
+      <a:ln w="9525" cap="flat" cmpd="sng" algn="ctr">
+        <a:solidFill>
+          <a:schemeClr val="tx1">
+            <a:lumMod val="15000"/>
+            <a:lumOff val="85000"/>
+          </a:schemeClr>
+        </a:solidFill>
+        <a:round/>
+      </a:ln>
+    </cs:spPr>
+    <cs:defRPr sz="900" kern="1200"/>
+  </cs:dataTable>
+  <cs:downBar>
+    <cs:lnRef idx="0"/>
+    <cs:fillRef idx="0"/>
+    <cs:effectRef idx="0"/>
+    <cs:fontRef idx="minor">
+      <a:schemeClr val="dk1"/>
+    </cs:fontRef>
+    <cs:spPr>
+      <a:solidFill>
+        <a:schemeClr val="dk1">
+          <a:lumMod val="65000"/>
+          <a:lumOff val="35000"/>
+        </a:schemeClr>
+      </a:solidFill>
+      <a:ln w="9525">
+        <a:solidFill>
+          <a:schemeClr val="tx1">
+            <a:lumMod val="65000"/>
+            <a:lumOff val="35000"/>
+          </a:schemeClr>
+        </a:solidFill>
+      </a:ln>
+    </cs:spPr>
+  </cs:downBar>
+  <cs:dropLine>
+    <cs:lnRef idx="0"/>
+    <cs:fillRef idx="0"/>
+    <cs:effectRef idx="0"/>
+    <cs:fontRef idx="minor">
+      <a:schemeClr val="tx1"/>
+    </cs:fontRef>
+    <cs:spPr>
+      <a:ln w="9525" cap="flat" cmpd="sng" algn="ctr">
+        <a:solidFill>
+          <a:schemeClr val="tx1">
+            <a:lumMod val="35000"/>
+            <a:lumOff val="65000"/>
+          </a:schemeClr>
+        </a:solidFill>
+        <a:round/>
+      </a:ln>
+    </cs:spPr>
+  </cs:dropLine>
+  <cs:errorBar>
+    <cs:lnRef idx="0"/>
+    <cs:fillRef idx="0"/>
+    <cs:effectRef idx="0"/>
+    <cs:fontRef idx="minor">
+      <a:schemeClr val="tx1"/>
+    </cs:fontRef>
+    <cs:spPr>
+      <a:ln w="9525" cap="flat" cmpd="sng" algn="ctr">
+        <a:solidFill>
+          <a:schemeClr val="tx1">
+            <a:lumMod val="65000"/>
+            <a:lumOff val="35000"/>
+          </a:schemeClr>
+        </a:solidFill>
+        <a:round/>
+      </a:ln>
+    </cs:spPr>
+  </cs:errorBar>
+  <cs:floor>
+    <cs:lnRef idx="0"/>
+    <cs:fillRef idx="0"/>
+    <cs:effectRef idx="0"/>
+    <cs:fontRef idx="minor">
+      <a:schemeClr val="tx1"/>
+    </cs:fontRef>
+    <cs:spPr>
+      <a:noFill/>
+      <a:ln>
+        <a:noFill/>
+      </a:ln>
+    </cs:spPr>
+  </cs:floor>
+  <cs:gridlineMajor>
+    <cs:lnRef idx="0"/>
+    <cs:fillRef idx="0"/>
+    <cs:effectRef idx="0"/>
+    <cs:fontRef idx="minor">
+      <a:schemeClr val="tx1"/>
+    </cs:fontRef>
+    <cs:spPr>
+      <a:ln w="9525" cap="flat" cmpd="sng" algn="ctr">
+        <a:solidFill>
+          <a:schemeClr val="tx1">
+            <a:lumMod val="15000"/>
+            <a:lumOff val="85000"/>
+          </a:schemeClr>
+        </a:solidFill>
+        <a:round/>
+      </a:ln>
+    </cs:spPr>
+  </cs:gridlineMajor>
+  <cs:gridlineMinor>
+    <cs:lnRef idx="0"/>
+    <cs:fillRef idx="0"/>
+    <cs:effectRef idx="0"/>
+    <cs:fontRef idx="minor">
+      <a:schemeClr val="tx1"/>
+    </cs:fontRef>
+    <cs:spPr>
+      <a:ln w="9525" cap="flat" cmpd="sng" algn="ctr">
+        <a:solidFill>
+          <a:schemeClr val="tx1">
+            <a:lumMod val="5000"/>
+            <a:lumOff val="95000"/>
+          </a:schemeClr>
+        </a:solidFill>
+        <a:round/>
+      </a:ln>
+    </cs:spPr>
+  </cs:gridlineMinor>
+  <cs:hiLoLine>
+    <cs:lnRef idx="0"/>
+    <cs:fillRef idx="0"/>
+    <cs:effectRef idx="0"/>
+    <cs:fontRef idx="minor">
+      <a:schemeClr val="tx1"/>
+    </cs:fontRef>
+    <cs:spPr>
+      <a:ln w="9525" cap="flat" cmpd="sng" algn="ctr">
+        <a:solidFill>
+          <a:schemeClr val="tx1">
+            <a:lumMod val="75000"/>
+            <a:lumOff val="25000"/>
+          </a:schemeClr>
+        </a:solidFill>
+        <a:round/>
+      </a:ln>
+    </cs:spPr>
+  </cs:hiLoLine>
+  <cs:leaderLine>
+    <cs:lnRef idx="0"/>
+    <cs:fillRef idx="0"/>
+    <cs:effectRef idx="0"/>
+    <cs:fontRef idx="minor">
+      <a:schemeClr val="tx1"/>
+    </cs:fontRef>
+    <cs:spPr>
+      <a:ln w="9525" cap="flat" cmpd="sng" algn="ctr">
+        <a:solidFill>
+          <a:schemeClr val="tx1">
+            <a:lumMod val="35000"/>
+            <a:lumOff val="65000"/>
+          </a:schemeClr>
+        </a:solidFill>
+        <a:round/>
+      </a:ln>
+    </cs:spPr>
+  </cs:leaderLine>
+  <cs:legend>
+    <cs:lnRef idx="0"/>
+    <cs:fillRef idx="0"/>
+    <cs:effectRef idx="0"/>
+    <cs:fontRef idx="minor">
+      <a:schemeClr val="tx1">
+        <a:lumMod val="65000"/>
+        <a:lumOff val="35000"/>
+      </a:schemeClr>
+    </cs:fontRef>
+    <cs:defRPr sz="900" kern="1200"/>
+  </cs:legend>
+  <cs:plotArea mods="allowNoFillOverride allowNoLineOverride">
+    <cs:lnRef idx="0"/>
+    <cs:fillRef idx="0"/>
+    <cs:effectRef idx="0"/>
+    <cs:fontRef idx="minor">
+      <a:schemeClr val="tx1"/>
+    </cs:fontRef>
+  </cs:plotArea>
+  <cs:plotArea3D mods="allowNoFillOverride allowNoLineOverride">
+    <cs:lnRef idx="0"/>
+    <cs:fillRef idx="0"/>
+    <cs:effectRef idx="0"/>
+    <cs:fontRef idx="minor">
+      <a:schemeClr val="tx1"/>
+    </cs:fontRef>
+  </cs:plotArea3D>
+  <cs:seriesAxis>
+    <cs:lnRef idx="0"/>
+    <cs:fillRef idx="0"/>
+    <cs:effectRef idx="0"/>
+    <cs:fontRef idx="minor">
+      <a:schemeClr val="tx1">
+        <a:lumMod val="65000"/>
+        <a:lumOff val="35000"/>
+      </a:schemeClr>
+    </cs:fontRef>
+    <cs:defRPr sz="900" kern="1200"/>
+  </cs:seriesAxis>
+  <cs:seriesLine>
+    <cs:lnRef idx="0"/>
+    <cs:fillRef idx="0"/>
+    <cs:effectRef idx="0"/>
+    <cs:fontRef idx="minor">
+      <a:schemeClr val="tx1"/>
+    </cs:fontRef>
+    <cs:spPr>
+      <a:ln w="9525" cap="flat" cmpd="sng" algn="ctr">
+        <a:solidFill>
+          <a:schemeClr val="tx1">
+            <a:lumMod val="35000"/>
+            <a:lumOff val="65000"/>
+          </a:schemeClr>
+        </a:solidFill>
+        <a:round/>
+      </a:ln>
+    </cs:spPr>
+  </cs:seriesLine>
+  <cs:title>
+    <cs:lnRef idx="0"/>
+    <cs:fillRef idx="0"/>
+    <cs:effectRef idx="0"/>
+    <cs:fontRef idx="minor">
+      <a:schemeClr val="tx1">
+        <a:lumMod val="65000"/>
+        <a:lumOff val="35000"/>
+      </a:schemeClr>
+    </cs:fontRef>
+    <cs:defRPr sz="1400" b="0" kern="1200" spc="0" baseline="0"/>
+  </cs:title>
+  <cs:trendline>
+    <cs:lnRef idx="0">
+      <cs:styleClr val="auto"/>
+    </cs:lnRef>
+    <cs:fillRef idx="0"/>
+    <cs:effectRef idx="0"/>
+    <cs:fontRef idx="minor">
+      <a:schemeClr val="tx1"/>
+    </cs:fontRef>
+    <cs:spPr>
+      <a:ln w="19050" cap="rnd">
+        <a:solidFill>
+          <a:schemeClr val="phClr"/>
+        </a:solidFill>
+        <a:prstDash val="sysDot"/>
+      </a:ln>
+    </cs:spPr>
+  </cs:trendline>
+  <cs:trendlineLabel>
+    <cs:lnRef idx="0"/>
+    <cs:fillRef idx="0"/>
+    <cs:effectRef idx="0"/>
+    <cs:fontRef idx="minor">
+      <a:schemeClr val="tx1">
+        <a:lumMod val="65000"/>
+        <a:lumOff val="35000"/>
+      </a:schemeClr>
+    </cs:fontRef>
+    <cs:defRPr sz="900" kern="1200"/>
+  </cs:trendlineLabel>
+  <cs:upBar>
+    <cs:lnRef idx="0"/>
+    <cs:fillRef idx="0"/>
+    <cs:effectRef idx="0"/>
+    <cs:fontRef idx="minor">
+      <a:schemeClr val="dk1"/>
+    </cs:fontRef>
+    <cs:spPr>
+      <a:solidFill>
+        <a:schemeClr val="lt1"/>
+      </a:solidFill>
+      <a:ln w="9525">
+        <a:solidFill>
+          <a:schemeClr val="tx1">
+            <a:lumMod val="15000"/>
+            <a:lumOff val="85000"/>
+          </a:schemeClr>
+        </a:solidFill>
+      </a:ln>
+    </cs:spPr>
+  </cs:upBar>
+  <cs:valueAxis>
+    <cs:lnRef idx="0"/>
+    <cs:fillRef idx="0"/>
+    <cs:effectRef idx="0"/>
+    <cs:fontRef idx="minor">
+      <a:schemeClr val="tx1">
+        <a:lumMod val="65000"/>
+        <a:lumOff val="35000"/>
+      </a:schemeClr>
+    </cs:fontRef>
+    <cs:defRPr sz="900" kern="1200"/>
+  </cs:valueAxis>
+  <cs:wall>
+    <cs:lnRef idx="0"/>
+    <cs:fillRef idx="0"/>
+    <cs:effectRef idx="0"/>
+    <cs:fontRef idx="minor">
+      <a:schemeClr val="tx1"/>
+    </cs:fontRef>
+    <cs:spPr>
+      <a:noFill/>
+      <a:ln>
+        <a:noFill/>
+      </a:ln>
+    </cs:spPr>
+  </cs:wall>
+</cs:chartStyle>
+</file>
+
+<file path=ppt/charts/style2.xml><?xml version="1.0" encoding="utf-8"?>
 <cs:chartStyle xmlns:cs="http://schemas.microsoft.com/office/drawing/2012/chartStyle" xmlns:a="http://schemas.openxmlformats.org/drawingml/2006/main" id="201">
   <cs:axisTitle>
     <cs:lnRef idx="0"/>
@@ -1076,7 +1917,7 @@
           <a:p>
             <a:fld id="{1006F403-5B87-420C-972F-E571B1F32BA0}" type="datetimeFigureOut">
               <a:rPr lang="en-US" smtClean="0"/>
-              <a:t>5/12/2019</a:t>
+              <a:t>5/20/2019</a:t>
             </a:fld>
             <a:endParaRPr lang="en-US"/>
           </a:p>
@@ -4235,7 +5076,7 @@
           <a:lstStyle/>
           <a:p>
             <a:r>
-              <a:rPr lang="hy-AM" altLang="en-US" dirty="0">
+              <a:rPr lang="hy-AM" altLang="en-US" b="1" dirty="0">
                 <a:solidFill>
                   <a:srgbClr val="002060"/>
                 </a:solidFill>
@@ -4244,7 +5085,7 @@
               <a:t>Բացառող-կամի </a:t>
             </a:r>
             <a:r>
-              <a:rPr lang="en-US" altLang="en-US" dirty="0">
+              <a:rPr lang="en-US" altLang="en-US" b="1" dirty="0">
                 <a:solidFill>
                   <a:srgbClr val="002060"/>
                 </a:solidFill>
@@ -4253,7 +5094,7 @@
               <a:t>(XOR)</a:t>
             </a:r>
             <a:r>
-              <a:rPr lang="hy-AM" altLang="en-US" dirty="0">
+              <a:rPr lang="hy-AM" altLang="en-US" b="1" dirty="0">
                 <a:solidFill>
                   <a:srgbClr val="002060"/>
                 </a:solidFill>
@@ -4261,7 +5102,7 @@
               </a:rPr>
               <a:t> մոդելավորման օրինակ </a:t>
             </a:r>
-            <a:endParaRPr lang="en-US" altLang="en-US" dirty="0">
+            <a:endParaRPr lang="en-US" altLang="en-US" b="1" dirty="0">
               <a:solidFill>
                 <a:srgbClr val="002060"/>
               </a:solidFill>
@@ -4524,6 +5365,13 @@
   <p:clrMapOvr>
     <a:masterClrMapping/>
   </p:clrMapOvr>
+  <p:timing>
+    <p:tnLst>
+      <p:par>
+        <p:cTn id="1" dur="indefinite" restart="never" nodeType="tmRoot"/>
+      </p:par>
+    </p:tnLst>
+  </p:timing>
 </p:sld>
 </file>
 
@@ -4596,7 +5444,7 @@
               </a:buClr>
             </a:pPr>
             <a:r>
-              <a:rPr lang="hy-AM" altLang="en-US" sz="4000" b="1">
+              <a:rPr lang="hy-AM" altLang="en-US" sz="4000" b="1" dirty="0">
                 <a:solidFill>
                   <a:srgbClr val="002060"/>
                 </a:solidFill>
@@ -4861,8 +5709,8 @@
         </p:nvSpPr>
         <p:spPr bwMode="auto">
           <a:xfrm>
-            <a:off x="1808163" y="260350"/>
-            <a:ext cx="5686425" cy="708025"/>
+            <a:off x="1706500" y="260350"/>
+            <a:ext cx="5889753" cy="707886"/>
           </a:xfrm>
           <a:prstGeom prst="rect">
             <a:avLst/>
@@ -4909,8 +5757,32 @@
                 </a:solidFill>
                 <a:latin typeface="Sylfaen" panose="010A0502050306030303" pitchFamily="18" charset="0"/>
               </a:rPr>
-              <a:t>Ստացված արդյունքներ</a:t>
-            </a:r>
+              <a:t>Ստացված </a:t>
+            </a:r>
+            <a:r>
+              <a:rPr lang="hy-AM" altLang="en-US" sz="4000" b="1" dirty="0" smtClean="0">
+                <a:solidFill>
+                  <a:srgbClr val="002060"/>
+                </a:solidFill>
+                <a:latin typeface="Sylfaen" panose="010A0502050306030303" pitchFamily="18" charset="0"/>
+              </a:rPr>
+              <a:t>արդյունքներ</a:t>
+            </a:r>
+            <a:r>
+              <a:rPr lang="en-US" altLang="en-US" sz="1400" b="1" dirty="0" smtClean="0">
+                <a:solidFill>
+                  <a:srgbClr val="002060"/>
+                </a:solidFill>
+                <a:latin typeface="Sylfaen" panose="010A0502050306030303" pitchFamily="18" charset="0"/>
+              </a:rPr>
+              <a:t>(1)</a:t>
+            </a:r>
+            <a:endParaRPr lang="hy-AM" altLang="en-US" sz="1400" b="1" dirty="0">
+              <a:solidFill>
+                <a:srgbClr val="002060"/>
+              </a:solidFill>
+              <a:latin typeface="Sylfaen" panose="010A0502050306030303" pitchFamily="18" charset="0"/>
+            </a:endParaRPr>
           </a:p>
         </p:txBody>
       </p:sp>
@@ -4944,8 +5816,8 @@
         </p:nvSpPr>
         <p:spPr>
           <a:xfrm>
-            <a:off x="995423" y="1226916"/>
-            <a:ext cx="7292050" cy="646331"/>
+            <a:off x="1047918" y="1455822"/>
+            <a:ext cx="7206916" cy="646331"/>
           </a:xfrm>
           <a:prstGeom prst="rect">
             <a:avLst/>
@@ -4958,8 +5830,9 @@
           </a:bodyPr>
           <a:lstStyle/>
           <a:p>
-            <a:r>
-              <a:rPr lang="hy-AM" dirty="0">
+            <a:pPr algn="ctr"/>
+            <a:r>
+              <a:rPr lang="hy-AM" b="1" dirty="0">
                 <a:solidFill>
                   <a:srgbClr val="002060"/>
                 </a:solidFill>
@@ -4968,15 +5841,42 @@
               <a:t> </a:t>
             </a:r>
             <a:r>
-              <a:rPr lang="hy-AM" dirty="0" smtClean="0">
-                <a:solidFill>
-                  <a:srgbClr val="002060"/>
-                </a:solidFill>
-                <a:latin typeface="Sylfaen" panose="010A0502050306030303" pitchFamily="18" charset="0"/>
-              </a:rPr>
-              <a:t> Ուսումնասիրվել է սխեմայի մոդելավորման ժամանակի     կախվածությունը սխեմայում գտնվող տարրերի քանակից</a:t>
-            </a:r>
-            <a:endParaRPr lang="en-US" dirty="0">
+              <a:rPr lang="hy-AM" b="1" dirty="0" smtClean="0">
+                <a:solidFill>
+                  <a:srgbClr val="002060"/>
+                </a:solidFill>
+                <a:latin typeface="Sylfaen" panose="010A0502050306030303" pitchFamily="18" charset="0"/>
+              </a:rPr>
+              <a:t> </a:t>
+            </a:r>
+            <a:r>
+              <a:rPr lang="hy-AM" b="1" dirty="0">
+                <a:solidFill>
+                  <a:srgbClr val="002060"/>
+                </a:solidFill>
+                <a:latin typeface="Sylfaen" panose="010A0502050306030303" pitchFamily="18" charset="0"/>
+              </a:rPr>
+              <a:t>Ս</a:t>
+            </a:r>
+            <a:r>
+              <a:rPr lang="hy-AM" b="1" dirty="0" smtClean="0">
+                <a:solidFill>
+                  <a:srgbClr val="002060"/>
+                </a:solidFill>
+                <a:latin typeface="Sylfaen" panose="010A0502050306030303" pitchFamily="18" charset="0"/>
+              </a:rPr>
+              <a:t>խեմայի մոդելավորման </a:t>
+            </a:r>
+            <a:r>
+              <a:rPr lang="hy-AM" b="1" dirty="0" smtClean="0">
+                <a:solidFill>
+                  <a:srgbClr val="002060"/>
+                </a:solidFill>
+                <a:latin typeface="Sylfaen" panose="010A0502050306030303" pitchFamily="18" charset="0"/>
+              </a:rPr>
+              <a:t>ժամանակի     կախվածությունը սխեմայում գտնվող տարրերի քանակից</a:t>
+            </a:r>
+            <a:endParaRPr lang="en-US" b="1" dirty="0">
               <a:solidFill>
                 <a:srgbClr val="002060"/>
               </a:solidFill>
@@ -5032,6 +5932,215 @@
         </p:nvSpPr>
         <p:spPr bwMode="auto">
           <a:xfrm>
+            <a:off x="1706500" y="260350"/>
+            <a:ext cx="5889753" cy="707886"/>
+          </a:xfrm>
+          <a:prstGeom prst="rect">
+            <a:avLst/>
+          </a:prstGeom>
+          <a:noFill/>
+          <a:ln>
+            <a:noFill/>
+          </a:ln>
+          <a:extLst>
+            <a:ext uri="{909E8E84-426E-40DD-AFC4-6F175D3DCCD1}">
+              <a14:hiddenFill xmlns:a14="http://schemas.microsoft.com/office/drawing/2010/main">
+                <a:solidFill>
+                  <a:srgbClr val="FFFFFF"/>
+                </a:solidFill>
+              </a14:hiddenFill>
+            </a:ext>
+            <a:ext uri="{91240B29-F687-4F45-9708-019B960494DF}">
+              <a14:hiddenLine xmlns:a14="http://schemas.microsoft.com/office/drawing/2010/main" w="9525">
+                <a:solidFill>
+                  <a:srgbClr val="000000"/>
+                </a:solidFill>
+                <a:miter lim="800000"/>
+                <a:headEnd/>
+                <a:tailEnd/>
+              </a14:hiddenLine>
+            </a:ext>
+          </a:extLst>
+        </p:spPr>
+        <p:txBody>
+          <a:bodyPr wrap="none">
+            <a:spAutoFit/>
+          </a:bodyPr>
+          <a:lstStyle/>
+          <a:p>
+            <a:pPr algn="ctr">
+              <a:buClr>
+                <a:srgbClr val="16165D"/>
+              </a:buClr>
+            </a:pPr>
+            <a:r>
+              <a:rPr lang="hy-AM" altLang="en-US" sz="4000" b="1" dirty="0">
+                <a:solidFill>
+                  <a:srgbClr val="002060"/>
+                </a:solidFill>
+                <a:latin typeface="Sylfaen" panose="010A0502050306030303" pitchFamily="18" charset="0"/>
+              </a:rPr>
+              <a:t>Ստացված </a:t>
+            </a:r>
+            <a:r>
+              <a:rPr lang="hy-AM" altLang="en-US" sz="4000" b="1" dirty="0" smtClean="0">
+                <a:solidFill>
+                  <a:srgbClr val="002060"/>
+                </a:solidFill>
+                <a:latin typeface="Sylfaen" panose="010A0502050306030303" pitchFamily="18" charset="0"/>
+              </a:rPr>
+              <a:t>արդյունքներ</a:t>
+            </a:r>
+            <a:r>
+              <a:rPr lang="en-US" altLang="en-US" sz="1400" b="1" dirty="0" smtClean="0">
+                <a:solidFill>
+                  <a:srgbClr val="002060"/>
+                </a:solidFill>
+                <a:latin typeface="Sylfaen" panose="010A0502050306030303" pitchFamily="18" charset="0"/>
+              </a:rPr>
+              <a:t>(2)</a:t>
+            </a:r>
+            <a:endParaRPr lang="hy-AM" altLang="en-US" sz="1400" b="1" dirty="0">
+              <a:solidFill>
+                <a:srgbClr val="002060"/>
+              </a:solidFill>
+              <a:latin typeface="Sylfaen" panose="010A0502050306030303" pitchFamily="18" charset="0"/>
+            </a:endParaRPr>
+          </a:p>
+        </p:txBody>
+      </p:sp>
+      <p:sp>
+        <p:nvSpPr>
+          <p:cNvPr id="2" name="TextBox 1"/>
+          <p:cNvSpPr txBox="1"/>
+          <p:nvPr/>
+        </p:nvSpPr>
+        <p:spPr>
+          <a:xfrm>
+            <a:off x="1332307" y="1346200"/>
+            <a:ext cx="7292050" cy="369332"/>
+          </a:xfrm>
+          <a:prstGeom prst="rect">
+            <a:avLst/>
+          </a:prstGeom>
+          <a:noFill/>
+        </p:spPr>
+        <p:txBody>
+          <a:bodyPr wrap="square" rtlCol="0">
+            <a:spAutoFit/>
+          </a:bodyPr>
+          <a:lstStyle/>
+          <a:p>
+            <a:r>
+              <a:rPr lang="hy-AM" b="1" dirty="0">
+                <a:solidFill>
+                  <a:srgbClr val="002060"/>
+                </a:solidFill>
+                <a:latin typeface="Sylfaen" panose="010A0502050306030303" pitchFamily="18" charset="0"/>
+              </a:rPr>
+              <a:t> </a:t>
+            </a:r>
+            <a:r>
+              <a:rPr lang="hy-AM" b="1" dirty="0" smtClean="0">
+                <a:solidFill>
+                  <a:srgbClr val="002060"/>
+                </a:solidFill>
+                <a:latin typeface="Sylfaen" panose="010A0502050306030303" pitchFamily="18" charset="0"/>
+              </a:rPr>
+              <a:t> </a:t>
+            </a:r>
+            <a:r>
+              <a:rPr lang="hy-AM" b="1" dirty="0" smtClean="0">
+                <a:solidFill>
+                  <a:srgbClr val="002060"/>
+                </a:solidFill>
+                <a:latin typeface="Sylfaen" panose="010A0502050306030303" pitchFamily="18" charset="0"/>
+              </a:rPr>
+              <a:t>Համեմատումը  </a:t>
+            </a:r>
+            <a:r>
+              <a:rPr lang="hy-AM" b="1" dirty="0">
+                <a:solidFill>
+                  <a:srgbClr val="002060"/>
+                </a:solidFill>
+                <a:latin typeface="Sylfaen" panose="010A0502050306030303" pitchFamily="18" charset="0"/>
+              </a:rPr>
+              <a:t>առկա մոդելավորման միջոցների հետ </a:t>
+            </a:r>
+          </a:p>
+        </p:txBody>
+      </p:sp>
+      <p:graphicFrame>
+        <p:nvGraphicFramePr>
+          <p:cNvPr id="6" name="Chart 5"/>
+          <p:cNvGraphicFramePr>
+            <a:graphicFrameLocks noGrp="1"/>
+          </p:cNvGraphicFramePr>
+          <p:nvPr>
+            <p:extLst>
+              <p:ext uri="{D42A27DB-BD31-4B8C-83A1-F6EECF244321}">
+                <p14:modId xmlns:p14="http://schemas.microsoft.com/office/powerpoint/2010/main" val="3518042624"/>
+              </p:ext>
+            </p:extLst>
+          </p:nvPr>
+        </p:nvGraphicFramePr>
+        <p:xfrm>
+          <a:off x="1332307" y="1876926"/>
+          <a:ext cx="6154387" cy="3157910"/>
+        </p:xfrm>
+        <a:graphic>
+          <a:graphicData uri="http://schemas.openxmlformats.org/drawingml/2006/chart">
+            <c:chart xmlns:c="http://schemas.openxmlformats.org/drawingml/2006/chart" xmlns:r="http://schemas.openxmlformats.org/officeDocument/2006/relationships" r:id="rId2"/>
+          </a:graphicData>
+        </a:graphic>
+      </p:graphicFrame>
+    </p:spTree>
+    <p:extLst>
+      <p:ext uri="{BB962C8B-B14F-4D97-AF65-F5344CB8AC3E}">
+        <p14:creationId xmlns:p14="http://schemas.microsoft.com/office/powerpoint/2010/main" val="1323609517"/>
+      </p:ext>
+    </p:extLst>
+  </p:cSld>
+  <p:clrMapOvr>
+    <a:masterClrMapping/>
+  </p:clrMapOvr>
+  <p:timing>
+    <p:tnLst>
+      <p:par>
+        <p:cTn id="1" dur="indefinite" restart="never" nodeType="tmRoot"/>
+      </p:par>
+    </p:tnLst>
+  </p:timing>
+</p:sld>
+</file>
+
+<file path=ppt/slides/slide14.xml><?xml version="1.0" encoding="utf-8"?>
+<p:sld xmlns:a="http://schemas.openxmlformats.org/drawingml/2006/main" xmlns:r="http://schemas.openxmlformats.org/officeDocument/2006/relationships" xmlns:p="http://schemas.openxmlformats.org/presentationml/2006/main">
+  <p:cSld>
+    <p:spTree>
+      <p:nvGrpSpPr>
+        <p:cNvPr id="1" name=""/>
+        <p:cNvGrpSpPr/>
+        <p:nvPr/>
+      </p:nvGrpSpPr>
+      <p:grpSpPr>
+        <a:xfrm>
+          <a:off x="0" y="0"/>
+          <a:ext cx="0" cy="0"/>
+          <a:chOff x="0" y="0"/>
+          <a:chExt cx="0" cy="0"/>
+        </a:xfrm>
+      </p:grpSpPr>
+      <p:sp>
+        <p:nvSpPr>
+          <p:cNvPr id="4" name="Rectangle 6"/>
+          <p:cNvSpPr>
+            <a:spLocks noChangeArrowheads="1"/>
+          </p:cNvSpPr>
+          <p:nvPr/>
+        </p:nvSpPr>
+        <p:spPr bwMode="auto">
+          <a:xfrm>
             <a:off x="2596163" y="260350"/>
             <a:ext cx="4110421" cy="707886"/>
           </a:xfrm>
@@ -5352,7 +6461,7 @@
 </p:sld>
 </file>
 
-<file path=ppt/slides/slide14.xml><?xml version="1.0" encoding="utf-8"?>
+<file path=ppt/slides/slide15.xml><?xml version="1.0" encoding="utf-8"?>
 <p:sld xmlns:a="http://schemas.openxmlformats.org/drawingml/2006/main" xmlns:r="http://schemas.openxmlformats.org/officeDocument/2006/relationships" xmlns:p="http://schemas.openxmlformats.org/presentationml/2006/main">
   <p:cSld>
     <p:spTree>
@@ -5760,7 +6869,7 @@
 </p:sld>
 </file>
 
-<file path=ppt/slides/slide15.xml><?xml version="1.0" encoding="utf-8"?>
+<file path=ppt/slides/slide16.xml><?xml version="1.0" encoding="utf-8"?>
 <p:sld xmlns:a="http://schemas.openxmlformats.org/drawingml/2006/main" xmlns:r="http://schemas.openxmlformats.org/officeDocument/2006/relationships" xmlns:p="http://schemas.openxmlformats.org/presentationml/2006/main">
   <p:cSld>
     <p:spTree>
@@ -5879,7 +6988,7 @@
         <p:spPr>
           <a:xfrm>
             <a:off x="3128861" y="278712"/>
-            <a:ext cx="3591048" cy="584775"/>
+            <a:ext cx="4435830" cy="707886"/>
           </a:xfrm>
           <a:prstGeom prst="rect">
             <a:avLst/>
@@ -5892,7 +7001,7 @@
           <a:lstStyle/>
           <a:p>
             <a:r>
-              <a:rPr lang="hy-AM" altLang="en-US" sz="3200" b="1" dirty="0">
+              <a:rPr lang="hy-AM" altLang="en-US" sz="4000" b="1" dirty="0">
                 <a:solidFill>
                   <a:srgbClr val="002060"/>
                 </a:solidFill>
@@ -5900,7 +7009,7 @@
               </a:rPr>
               <a:t>Բովանդակություն</a:t>
             </a:r>
-            <a:endParaRPr lang="en-US" sz="3200" dirty="0">
+            <a:endParaRPr lang="en-US" sz="4000" dirty="0">
               <a:solidFill>
                 <a:srgbClr val="002060"/>
               </a:solidFill>
@@ -5916,8 +7025,8 @@
         </p:nvSpPr>
         <p:spPr>
           <a:xfrm>
-            <a:off x="671383" y="1680171"/>
-            <a:ext cx="4572000" cy="2554545"/>
+            <a:off x="490909" y="1150782"/>
+            <a:ext cx="4572000" cy="4708981"/>
           </a:xfrm>
           <a:prstGeom prst="rect">
             <a:avLst/>
@@ -5945,6 +7054,29 @@
               </a:rPr>
               <a:t>Ներածություն </a:t>
             </a:r>
+            <a:r>
+              <a:rPr lang="hy-AM" altLang="en-US" sz="2000" b="1" dirty="0" smtClean="0">
+                <a:solidFill>
+                  <a:srgbClr val="002060"/>
+                </a:solidFill>
+                <a:latin typeface="Sylfaen" panose="010A0502050306030303" pitchFamily="18" charset="0"/>
+              </a:rPr>
+              <a:t/>
+            </a:r>
+            <a:br>
+              <a:rPr lang="hy-AM" altLang="en-US" sz="2000" b="1" dirty="0" smtClean="0">
+                <a:solidFill>
+                  <a:srgbClr val="002060"/>
+                </a:solidFill>
+                <a:latin typeface="Sylfaen" panose="010A0502050306030303" pitchFamily="18" charset="0"/>
+              </a:rPr>
+            </a:br>
+            <a:endParaRPr lang="hy-AM" altLang="en-US" sz="2000" b="1" dirty="0">
+              <a:solidFill>
+                <a:srgbClr val="002060"/>
+              </a:solidFill>
+              <a:latin typeface="Sylfaen" panose="010A0502050306030303" pitchFamily="18" charset="0"/>
+            </a:endParaRPr>
           </a:p>
           <a:p>
             <a:pPr marL="285750" indent="-285750">
@@ -5961,8 +7093,31 @@
                 </a:solidFill>
                 <a:latin typeface="Sylfaen" panose="010A0502050306030303" pitchFamily="18" charset="0"/>
               </a:rPr>
-              <a:t>Գրականության ակնարկ</a:t>
-            </a:r>
+              <a:t>Գրականության </a:t>
+            </a:r>
+            <a:r>
+              <a:rPr lang="hy-AM" altLang="en-US" sz="2000" b="1" dirty="0" smtClean="0">
+                <a:solidFill>
+                  <a:srgbClr val="002060"/>
+                </a:solidFill>
+                <a:latin typeface="Sylfaen" panose="010A0502050306030303" pitchFamily="18" charset="0"/>
+              </a:rPr>
+              <a:t>ակնարկ</a:t>
+            </a:r>
+            <a:br>
+              <a:rPr lang="hy-AM" altLang="en-US" sz="2000" b="1" dirty="0" smtClean="0">
+                <a:solidFill>
+                  <a:srgbClr val="002060"/>
+                </a:solidFill>
+                <a:latin typeface="Sylfaen" panose="010A0502050306030303" pitchFamily="18" charset="0"/>
+              </a:rPr>
+            </a:br>
+            <a:endParaRPr lang="hy-AM" altLang="en-US" sz="2000" b="1" dirty="0">
+              <a:solidFill>
+                <a:srgbClr val="002060"/>
+              </a:solidFill>
+              <a:latin typeface="Sylfaen" panose="010A0502050306030303" pitchFamily="18" charset="0"/>
+            </a:endParaRPr>
           </a:p>
           <a:p>
             <a:pPr marL="285750" indent="-285750">
@@ -5979,8 +7134,31 @@
                 </a:solidFill>
                 <a:latin typeface="Sylfaen" panose="010A0502050306030303" pitchFamily="18" charset="0"/>
               </a:rPr>
-              <a:t>Խնդրի դրվածք</a:t>
-            </a:r>
+              <a:t>Խնդրի </a:t>
+            </a:r>
+            <a:r>
+              <a:rPr lang="hy-AM" altLang="en-US" sz="2000" b="1" dirty="0" smtClean="0">
+                <a:solidFill>
+                  <a:srgbClr val="002060"/>
+                </a:solidFill>
+                <a:latin typeface="Sylfaen" panose="010A0502050306030303" pitchFamily="18" charset="0"/>
+              </a:rPr>
+              <a:t>դրվածք</a:t>
+            </a:r>
+            <a:br>
+              <a:rPr lang="hy-AM" altLang="en-US" sz="2000" b="1" dirty="0" smtClean="0">
+                <a:solidFill>
+                  <a:srgbClr val="002060"/>
+                </a:solidFill>
+                <a:latin typeface="Sylfaen" panose="010A0502050306030303" pitchFamily="18" charset="0"/>
+              </a:rPr>
+            </a:br>
+            <a:endParaRPr lang="hy-AM" altLang="en-US" sz="2000" b="1" dirty="0">
+              <a:solidFill>
+                <a:srgbClr val="002060"/>
+              </a:solidFill>
+              <a:latin typeface="Sylfaen" panose="010A0502050306030303" pitchFamily="18" charset="0"/>
+            </a:endParaRPr>
           </a:p>
           <a:p>
             <a:pPr marL="285750" indent="-285750">
@@ -5997,8 +7175,31 @@
                 </a:solidFill>
                 <a:latin typeface="Sylfaen" panose="010A0502050306030303" pitchFamily="18" charset="0"/>
               </a:rPr>
-              <a:t>Տեսական առնչություններ</a:t>
-            </a:r>
+              <a:t>Տեսական </a:t>
+            </a:r>
+            <a:r>
+              <a:rPr lang="hy-AM" altLang="en-US" sz="2000" b="1" dirty="0" smtClean="0">
+                <a:solidFill>
+                  <a:srgbClr val="002060"/>
+                </a:solidFill>
+                <a:latin typeface="Sylfaen" panose="010A0502050306030303" pitchFamily="18" charset="0"/>
+              </a:rPr>
+              <a:t>առնչություններ</a:t>
+            </a:r>
+            <a:br>
+              <a:rPr lang="hy-AM" altLang="en-US" sz="2000" b="1" dirty="0" smtClean="0">
+                <a:solidFill>
+                  <a:srgbClr val="002060"/>
+                </a:solidFill>
+                <a:latin typeface="Sylfaen" panose="010A0502050306030303" pitchFamily="18" charset="0"/>
+              </a:rPr>
+            </a:br>
+            <a:endParaRPr lang="hy-AM" altLang="en-US" sz="2000" b="1" dirty="0">
+              <a:solidFill>
+                <a:srgbClr val="002060"/>
+              </a:solidFill>
+              <a:latin typeface="Sylfaen" panose="010A0502050306030303" pitchFamily="18" charset="0"/>
+            </a:endParaRPr>
           </a:p>
           <a:p>
             <a:pPr marL="285750" indent="-285750">
@@ -6015,8 +7216,31 @@
                 </a:solidFill>
                 <a:latin typeface="Sylfaen" panose="010A0502050306030303" pitchFamily="18" charset="0"/>
               </a:rPr>
-              <a:t>Փորձարարական տեխնիկա</a:t>
-            </a:r>
+              <a:t>Փորձարարական </a:t>
+            </a:r>
+            <a:r>
+              <a:rPr lang="hy-AM" altLang="en-US" sz="2000" b="1" dirty="0" smtClean="0">
+                <a:solidFill>
+                  <a:srgbClr val="002060"/>
+                </a:solidFill>
+                <a:latin typeface="Sylfaen" panose="010A0502050306030303" pitchFamily="18" charset="0"/>
+              </a:rPr>
+              <a:t>տեխնիկա</a:t>
+            </a:r>
+            <a:br>
+              <a:rPr lang="hy-AM" altLang="en-US" sz="2000" b="1" dirty="0" smtClean="0">
+                <a:solidFill>
+                  <a:srgbClr val="002060"/>
+                </a:solidFill>
+                <a:latin typeface="Sylfaen" panose="010A0502050306030303" pitchFamily="18" charset="0"/>
+              </a:rPr>
+            </a:br>
+            <a:endParaRPr lang="hy-AM" altLang="en-US" sz="2000" b="1" dirty="0">
+              <a:solidFill>
+                <a:srgbClr val="002060"/>
+              </a:solidFill>
+              <a:latin typeface="Sylfaen" panose="010A0502050306030303" pitchFamily="18" charset="0"/>
+            </a:endParaRPr>
           </a:p>
           <a:p>
             <a:pPr marL="285750" indent="-285750">
@@ -6044,6 +7268,20 @@
               </a:rPr>
               <a:t>արդյունքներ</a:t>
             </a:r>
+            <a:br>
+              <a:rPr lang="hy-AM" altLang="en-US" sz="2000" b="1" dirty="0" smtClean="0">
+                <a:solidFill>
+                  <a:srgbClr val="002060"/>
+                </a:solidFill>
+                <a:latin typeface="Sylfaen" panose="010A0502050306030303" pitchFamily="18" charset="0"/>
+              </a:rPr>
+            </a:br>
+            <a:endParaRPr lang="hy-AM" altLang="en-US" sz="2000" b="1" dirty="0" smtClean="0">
+              <a:solidFill>
+                <a:srgbClr val="002060"/>
+              </a:solidFill>
+              <a:latin typeface="Sylfaen" panose="010A0502050306030303" pitchFamily="18" charset="0"/>
+            </a:endParaRPr>
           </a:p>
           <a:p>
             <a:pPr marL="285750" indent="-285750">
@@ -6062,6 +7300,14 @@
               </a:rPr>
               <a:t>Եզրակացություն</a:t>
             </a:r>
+            <a:br>
+              <a:rPr lang="hy-AM" altLang="en-US" sz="2000" b="1" dirty="0" smtClean="0">
+                <a:solidFill>
+                  <a:srgbClr val="002060"/>
+                </a:solidFill>
+                <a:latin typeface="Sylfaen" panose="010A0502050306030303" pitchFamily="18" charset="0"/>
+              </a:rPr>
+            </a:br>
             <a:endParaRPr lang="hy-AM" altLang="en-US" sz="2000" b="1" dirty="0">
               <a:solidFill>
                 <a:srgbClr val="002060"/>
@@ -6213,7 +7459,7 @@
           <a:p>
             <a:pPr algn="ctr"/>
             <a:r>
-              <a:rPr lang="hy-AM" altLang="en-US" sz="2400" dirty="0">
+              <a:rPr lang="hy-AM" altLang="en-US" sz="2400" b="1" dirty="0">
                 <a:solidFill>
                   <a:srgbClr val="002060"/>
                 </a:solidFill>
@@ -6222,7 +7468,7 @@
               <a:t>Թվային</a:t>
             </a:r>
             <a:r>
-              <a:rPr lang="hy-AM" altLang="en-US" sz="2400" dirty="0">
+              <a:rPr lang="hy-AM" altLang="en-US" sz="2400" b="1" dirty="0">
                 <a:solidFill>
                   <a:srgbClr val="16165D"/>
                 </a:solidFill>
@@ -6243,7 +7489,7 @@
         </p:nvSpPr>
         <p:spPr bwMode="auto">
           <a:xfrm>
-            <a:off x="179388" y="2108200"/>
+            <a:off x="34925" y="2074862"/>
             <a:ext cx="9144000" cy="368300"/>
           </a:xfrm>
           <a:prstGeom prst="rect">
@@ -6320,8 +7566,8 @@
         </p:nvSpPr>
         <p:spPr bwMode="auto">
           <a:xfrm>
-            <a:off x="196850" y="2749550"/>
-            <a:ext cx="9109075" cy="2124075"/>
+            <a:off x="473576" y="2569076"/>
+            <a:ext cx="9109075" cy="3354765"/>
           </a:xfrm>
           <a:prstGeom prst="rect">
             <a:avLst/>
@@ -6482,8 +7728,34 @@
                 </a:solidFill>
                 <a:latin typeface="Sylfaen" panose="010A0502050306030303" pitchFamily="18" charset="0"/>
               </a:rPr>
-              <a:t>Վարքագծային մակարդակ</a:t>
-            </a:r>
+              <a:t>Վարքագծային </a:t>
+            </a:r>
+            <a:r>
+              <a:rPr lang="hy-AM" altLang="en-US" dirty="0" smtClean="0">
+                <a:solidFill>
+                  <a:srgbClr val="002060"/>
+                </a:solidFill>
+                <a:latin typeface="Sylfaen" panose="010A0502050306030303" pitchFamily="18" charset="0"/>
+              </a:rPr>
+              <a:t>մակարդակ</a:t>
+            </a:r>
+            <a:r>
+              <a:rPr lang="en-US" altLang="en-US" dirty="0" smtClean="0">
+                <a:solidFill>
+                  <a:srgbClr val="002060"/>
+                </a:solidFill>
+                <a:latin typeface="Sylfaen" panose="010A0502050306030303" pitchFamily="18" charset="0"/>
+              </a:rPr>
+              <a:t/>
+            </a:r>
+            <a:br>
+              <a:rPr lang="en-US" altLang="en-US" dirty="0" smtClean="0">
+                <a:solidFill>
+                  <a:srgbClr val="002060"/>
+                </a:solidFill>
+                <a:latin typeface="Sylfaen" panose="010A0502050306030303" pitchFamily="18" charset="0"/>
+              </a:rPr>
+            </a:br>
             <a:endParaRPr lang="en-US" altLang="en-US" dirty="0">
               <a:solidFill>
                 <a:srgbClr val="002060"/>
@@ -6503,8 +7775,40 @@
                 </a:solidFill>
                 <a:latin typeface="Sylfaen" panose="010A0502050306030303" pitchFamily="18" charset="0"/>
               </a:rPr>
-              <a:t>Միջռեգիստրային փոխանցումների մակարդակ</a:t>
-            </a:r>
+              <a:t>Միջռեգիստրային փոխանցումների </a:t>
+            </a:r>
+            <a:r>
+              <a:rPr lang="hy-AM" altLang="en-US" dirty="0" smtClean="0">
+                <a:solidFill>
+                  <a:srgbClr val="002060"/>
+                </a:solidFill>
+                <a:latin typeface="Sylfaen" panose="010A0502050306030303" pitchFamily="18" charset="0"/>
+              </a:rPr>
+              <a:t>մակարդակ</a:t>
+            </a:r>
+            <a:r>
+              <a:rPr lang="en-US" altLang="en-US" dirty="0" smtClean="0">
+                <a:solidFill>
+                  <a:srgbClr val="002060"/>
+                </a:solidFill>
+                <a:latin typeface="Sylfaen" panose="010A0502050306030303" pitchFamily="18" charset="0"/>
+              </a:rPr>
+              <a:t/>
+            </a:r>
+            <a:br>
+              <a:rPr lang="en-US" altLang="en-US" dirty="0" smtClean="0">
+                <a:solidFill>
+                  <a:srgbClr val="002060"/>
+                </a:solidFill>
+                <a:latin typeface="Sylfaen" panose="010A0502050306030303" pitchFamily="18" charset="0"/>
+              </a:rPr>
+            </a:br>
+            <a:endParaRPr lang="hy-AM" altLang="en-US" dirty="0">
+              <a:solidFill>
+                <a:srgbClr val="002060"/>
+              </a:solidFill>
+              <a:latin typeface="Sylfaen" panose="010A0502050306030303" pitchFamily="18" charset="0"/>
+            </a:endParaRPr>
           </a:p>
           <a:p>
             <a:pPr>
@@ -6520,6 +7824,23 @@
               </a:rPr>
               <a:t>Տրամաբանական մակարդակ </a:t>
             </a:r>
+            <a:r>
+              <a:rPr lang="hy-AM" altLang="en-US" dirty="0" smtClean="0">
+                <a:solidFill>
+                  <a:srgbClr val="002060"/>
+                </a:solidFill>
+                <a:latin typeface="Sylfaen" panose="010A0502050306030303" pitchFamily="18" charset="0"/>
+              </a:rPr>
+              <a:t/>
+            </a:r>
+            <a:br>
+              <a:rPr lang="hy-AM" altLang="en-US" dirty="0" smtClean="0">
+                <a:solidFill>
+                  <a:srgbClr val="002060"/>
+                </a:solidFill>
+                <a:latin typeface="Sylfaen" panose="010A0502050306030303" pitchFamily="18" charset="0"/>
+              </a:rPr>
+            </a:br>
             <a:endParaRPr lang="en-US" altLang="en-US" dirty="0">
               <a:solidFill>
                 <a:srgbClr val="002060"/>
@@ -6539,8 +7860,40 @@
                 </a:solidFill>
                 <a:latin typeface="Sylfaen" panose="010A0502050306030303" pitchFamily="18" charset="0"/>
               </a:rPr>
-              <a:t>Սխեմատեխնիկական մակարդակ</a:t>
-            </a:r>
+              <a:t>Սխեմատեխնիկական </a:t>
+            </a:r>
+            <a:r>
+              <a:rPr lang="hy-AM" altLang="en-US" dirty="0" smtClean="0">
+                <a:solidFill>
+                  <a:srgbClr val="002060"/>
+                </a:solidFill>
+                <a:latin typeface="Sylfaen" panose="010A0502050306030303" pitchFamily="18" charset="0"/>
+              </a:rPr>
+              <a:t>մակարդակ</a:t>
+            </a:r>
+            <a:r>
+              <a:rPr lang="en-US" altLang="en-US" dirty="0" smtClean="0">
+                <a:solidFill>
+                  <a:srgbClr val="002060"/>
+                </a:solidFill>
+                <a:latin typeface="Sylfaen" panose="010A0502050306030303" pitchFamily="18" charset="0"/>
+              </a:rPr>
+              <a:t/>
+            </a:r>
+            <a:br>
+              <a:rPr lang="en-US" altLang="en-US" dirty="0" smtClean="0">
+                <a:solidFill>
+                  <a:srgbClr val="002060"/>
+                </a:solidFill>
+                <a:latin typeface="Sylfaen" panose="010A0502050306030303" pitchFamily="18" charset="0"/>
+              </a:rPr>
+            </a:br>
+            <a:endParaRPr lang="hy-AM" altLang="en-US" dirty="0">
+              <a:solidFill>
+                <a:srgbClr val="002060"/>
+              </a:solidFill>
+              <a:latin typeface="Sylfaen" panose="010A0502050306030303" pitchFamily="18" charset="0"/>
+            </a:endParaRPr>
           </a:p>
           <a:p>
             <a:pPr>
@@ -6632,8 +7985,8 @@
         </p:nvSpPr>
         <p:spPr bwMode="auto">
           <a:xfrm>
-            <a:off x="-36513" y="465138"/>
-            <a:ext cx="9540876" cy="1477962"/>
+            <a:off x="-156829" y="236538"/>
+            <a:ext cx="9540876" cy="1138773"/>
           </a:xfrm>
           <a:prstGeom prst="rect">
             <a:avLst/>
@@ -6707,24 +8060,6 @@
             <a:endParaRPr lang="en-US" altLang="en-US" sz="2800" b="1" dirty="0">
               <a:solidFill>
                 <a:srgbClr val="16165D"/>
-              </a:solidFill>
-              <a:latin typeface="Sylfaen" panose="010A0502050306030303" pitchFamily="18" charset="0"/>
-            </a:endParaRPr>
-          </a:p>
-          <a:p>
-            <a:pPr algn="ctr"/>
-            <a:r>
-              <a:rPr lang="hy-AM" altLang="en-US" sz="2200" dirty="0">
-                <a:solidFill>
-                  <a:srgbClr val="002060"/>
-                </a:solidFill>
-                <a:latin typeface="Sylfaen" panose="010A0502050306030303" pitchFamily="18" charset="0"/>
-              </a:rPr>
-              <a:t>Թվային սխեմաների տրամաբանական մոդելավորման խնդիրները</a:t>
-            </a:r>
-            <a:endParaRPr lang="en-US" altLang="en-US" sz="2200" dirty="0">
-              <a:solidFill>
-                <a:srgbClr val="002060"/>
               </a:solidFill>
               <a:latin typeface="Sylfaen" panose="010A0502050306030303" pitchFamily="18" charset="0"/>
             </a:endParaRPr>
@@ -6741,8 +8076,8 @@
         </p:nvSpPr>
         <p:spPr bwMode="auto">
           <a:xfrm>
-            <a:off x="192087" y="2167195"/>
-            <a:ext cx="9083675" cy="1754326"/>
+            <a:off x="192087" y="1521995"/>
+            <a:ext cx="9083675" cy="2862322"/>
           </a:xfrm>
           <a:prstGeom prst="rect">
             <a:avLst/>
@@ -6785,6 +8120,41 @@
             </a:endParaRPr>
           </a:p>
           <a:p>
+            <a:r>
+              <a:rPr lang="hy-AM" altLang="en-US" b="1" dirty="0">
+                <a:solidFill>
+                  <a:srgbClr val="002060"/>
+                </a:solidFill>
+                <a:latin typeface="Sylfaen" panose="010A0502050306030303" pitchFamily="18" charset="0"/>
+              </a:rPr>
+              <a:t>Թվային սխեմաների տրամաբանական մոդելավորման </a:t>
+            </a:r>
+            <a:r>
+              <a:rPr lang="hy-AM" altLang="en-US" b="1" dirty="0" smtClean="0">
+                <a:solidFill>
+                  <a:srgbClr val="002060"/>
+                </a:solidFill>
+                <a:latin typeface="Sylfaen" panose="010A0502050306030303" pitchFamily="18" charset="0"/>
+              </a:rPr>
+              <a:t>խնդիրները</a:t>
+            </a:r>
+            <a:r>
+              <a:rPr lang="en-US" altLang="en-US" b="1" dirty="0" smtClean="0">
+                <a:solidFill>
+                  <a:srgbClr val="002060"/>
+                </a:solidFill>
+                <a:latin typeface="Sylfaen" panose="010A0502050306030303" pitchFamily="18" charset="0"/>
+              </a:rPr>
+              <a:t>`</a:t>
+            </a:r>
+            <a:br>
+              <a:rPr lang="en-US" altLang="en-US" b="1" dirty="0" smtClean="0">
+                <a:solidFill>
+                  <a:srgbClr val="002060"/>
+                </a:solidFill>
+                <a:latin typeface="Sylfaen" panose="010A0502050306030303" pitchFamily="18" charset="0"/>
+              </a:rPr>
+            </a:br>
             <a:endParaRPr lang="hy-AM" altLang="en-US" b="1" dirty="0">
               <a:solidFill>
                 <a:srgbClr val="002060"/>
@@ -6793,7 +8163,7 @@
             </a:endParaRPr>
           </a:p>
           <a:p>
-            <a:pPr>
+            <a:pPr lvl="1">
               <a:buFont typeface="Arial" panose="020B0604020202020204" pitchFamily="34" charset="0"/>
               <a:buChar char="•"/>
             </a:pPr>
@@ -6804,8 +8174,34 @@
                 </a:solidFill>
                 <a:latin typeface="Sylfaen" panose="010A0502050306030303" pitchFamily="18" charset="0"/>
               </a:rPr>
-              <a:t>Ինտեգրալ սխեմայի գործունեության տրամաբանության ստուգումը</a:t>
-            </a:r>
+              <a:t>Ինտեգրալ սխեմայի գործունեության տրամաբանության </a:t>
+            </a:r>
+            <a:r>
+              <a:rPr lang="hy-AM" altLang="en-US" dirty="0" smtClean="0">
+                <a:solidFill>
+                  <a:srgbClr val="002060"/>
+                </a:solidFill>
+                <a:latin typeface="Sylfaen" panose="010A0502050306030303" pitchFamily="18" charset="0"/>
+              </a:rPr>
+              <a:t>ստուգումը</a:t>
+            </a:r>
+            <a:r>
+              <a:rPr lang="en-US" altLang="en-US" dirty="0" smtClean="0">
+                <a:solidFill>
+                  <a:srgbClr val="002060"/>
+                </a:solidFill>
+                <a:latin typeface="Sylfaen" panose="010A0502050306030303" pitchFamily="18" charset="0"/>
+              </a:rPr>
+              <a:t/>
+            </a:r>
+            <a:br>
+              <a:rPr lang="en-US" altLang="en-US" dirty="0" smtClean="0">
+                <a:solidFill>
+                  <a:srgbClr val="002060"/>
+                </a:solidFill>
+                <a:latin typeface="Sylfaen" panose="010A0502050306030303" pitchFamily="18" charset="0"/>
+              </a:rPr>
+            </a:br>
             <a:endParaRPr lang="en-US" altLang="en-US" dirty="0">
               <a:solidFill>
                 <a:srgbClr val="002060"/>
@@ -6814,7 +8210,7 @@
             </a:endParaRPr>
           </a:p>
           <a:p>
-            <a:pPr>
+            <a:pPr lvl="1">
               <a:buFont typeface="Arial" panose="020B0604020202020204" pitchFamily="34" charset="0"/>
               <a:buChar char="•"/>
             </a:pPr>
@@ -6825,8 +8221,34 @@
                 </a:solidFill>
                 <a:latin typeface="Sylfaen" panose="010A0502050306030303" pitchFamily="18" charset="0"/>
               </a:rPr>
-              <a:t>Առանձին էլեմենտների աշխատանքի ժամանակային համաձայնեցումը</a:t>
-            </a:r>
+              <a:t>Առանձին էլեմենտների աշխատանքի ժամանակային </a:t>
+            </a:r>
+            <a:r>
+              <a:rPr lang="hy-AM" altLang="en-US" dirty="0" smtClean="0">
+                <a:solidFill>
+                  <a:srgbClr val="002060"/>
+                </a:solidFill>
+                <a:latin typeface="Sylfaen" panose="010A0502050306030303" pitchFamily="18" charset="0"/>
+              </a:rPr>
+              <a:t>համաձայնեցումը</a:t>
+            </a:r>
+            <a:r>
+              <a:rPr lang="en-US" altLang="en-US" dirty="0" smtClean="0">
+                <a:solidFill>
+                  <a:srgbClr val="002060"/>
+                </a:solidFill>
+                <a:latin typeface="Sylfaen" panose="010A0502050306030303" pitchFamily="18" charset="0"/>
+              </a:rPr>
+              <a:t/>
+            </a:r>
+            <a:br>
+              <a:rPr lang="en-US" altLang="en-US" dirty="0" smtClean="0">
+                <a:solidFill>
+                  <a:srgbClr val="002060"/>
+                </a:solidFill>
+                <a:latin typeface="Sylfaen" panose="010A0502050306030303" pitchFamily="18" charset="0"/>
+              </a:rPr>
+            </a:br>
             <a:endParaRPr lang="en-US" altLang="en-US" dirty="0">
               <a:solidFill>
                 <a:srgbClr val="002060"/>
@@ -6835,7 +8257,7 @@
             </a:endParaRPr>
           </a:p>
           <a:p>
-            <a:pPr>
+            <a:pPr lvl="1">
               <a:buFont typeface="Arial" panose="020B0604020202020204" pitchFamily="34" charset="0"/>
               <a:buChar char="•"/>
             </a:pPr>
@@ -6846,11 +8268,43 @@
                 </a:solidFill>
                 <a:latin typeface="Sylfaen" panose="010A0502050306030303" pitchFamily="18" charset="0"/>
               </a:rPr>
-              <a:t>Սխեմայի սահմանային արագագործության որոշումը</a:t>
-            </a:r>
+              <a:t>Սխեմայի սահմանային արագագործության </a:t>
+            </a:r>
+            <a:r>
+              <a:rPr lang="hy-AM" altLang="en-US" dirty="0" smtClean="0">
+                <a:solidFill>
+                  <a:srgbClr val="002060"/>
+                </a:solidFill>
+                <a:latin typeface="Sylfaen" panose="010A0502050306030303" pitchFamily="18" charset="0"/>
+              </a:rPr>
+              <a:t>որոշումը</a:t>
+            </a:r>
+            <a:r>
+              <a:rPr lang="en-US" altLang="en-US" dirty="0" smtClean="0">
+                <a:solidFill>
+                  <a:srgbClr val="002060"/>
+                </a:solidFill>
+                <a:latin typeface="Sylfaen" panose="010A0502050306030303" pitchFamily="18" charset="0"/>
+              </a:rPr>
+              <a:t/>
+            </a:r>
+            <a:br>
+              <a:rPr lang="en-US" altLang="en-US" dirty="0" smtClean="0">
+                <a:solidFill>
+                  <a:srgbClr val="002060"/>
+                </a:solidFill>
+                <a:latin typeface="Sylfaen" panose="010A0502050306030303" pitchFamily="18" charset="0"/>
+              </a:rPr>
+            </a:br>
+            <a:endParaRPr lang="hy-AM" altLang="en-US" dirty="0">
+              <a:solidFill>
+                <a:srgbClr val="002060"/>
+              </a:solidFill>
+              <a:latin typeface="Sylfaen" panose="010A0502050306030303" pitchFamily="18" charset="0"/>
+            </a:endParaRPr>
           </a:p>
           <a:p>
-            <a:pPr>
+            <a:pPr lvl="1">
               <a:buFont typeface="Arial" panose="020B0604020202020204" pitchFamily="34" charset="0"/>
               <a:buChar char="•"/>
             </a:pPr>
@@ -6919,7 +8373,7 @@
         </p:nvSpPr>
         <p:spPr bwMode="auto">
           <a:xfrm>
-            <a:off x="-103188" y="144463"/>
+            <a:off x="-235536" y="122238"/>
             <a:ext cx="9540876" cy="1077912"/>
           </a:xfrm>
           <a:prstGeom prst="rect">
@@ -6966,7 +8420,7 @@
               <a:t>Գրականության ակնարկ</a:t>
             </a:r>
             <a:r>
-              <a:rPr lang="en-US" altLang="en-US" sz="1400" b="1" dirty="0">
+              <a:rPr lang="en-US" altLang="en-US" sz="1400" dirty="0">
                 <a:solidFill>
                   <a:srgbClr val="002060"/>
                 </a:solidFill>
@@ -6975,7 +8429,7 @@
               <a:t>(1)</a:t>
             </a:r>
             <a:r>
-              <a:rPr lang="en-US" altLang="en-US" sz="2800" b="1" dirty="0">
+              <a:rPr lang="en-US" altLang="en-US" sz="2800" dirty="0">
                 <a:solidFill>
                   <a:srgbClr val="002060"/>
                 </a:solidFill>
@@ -6984,7 +8438,7 @@
               <a:t/>
             </a:r>
             <a:br>
-              <a:rPr lang="en-US" altLang="en-US" sz="2800" b="1" dirty="0">
+              <a:rPr lang="en-US" altLang="en-US" sz="2800" dirty="0">
                 <a:solidFill>
                   <a:srgbClr val="002060"/>
                 </a:solidFill>
@@ -6992,7 +8446,7 @@
               </a:rPr>
             </a:br>
             <a:r>
-              <a:rPr lang="hy-AM" altLang="en-US" sz="2400" dirty="0">
+              <a:rPr lang="hy-AM" altLang="en-US" sz="2400" b="1" dirty="0">
                 <a:solidFill>
                   <a:srgbClr val="002060"/>
                 </a:solidFill>
@@ -7000,7 +8454,7 @@
               </a:rPr>
               <a:t>Տրամաբանական մոդելավորման հայտնի մեթոդները</a:t>
             </a:r>
-            <a:endParaRPr lang="en-US" altLang="en-US" sz="2400" dirty="0">
+            <a:endParaRPr lang="en-US" altLang="en-US" sz="2400" b="1" dirty="0">
               <a:solidFill>
                 <a:srgbClr val="002060"/>
               </a:solidFill>
@@ -7814,7 +9268,7 @@
               <a:buChar char="•"/>
             </a:pPr>
             <a:r>
-              <a:rPr lang="hy-AM" altLang="en-US">
+              <a:rPr lang="hy-AM" altLang="en-US" dirty="0">
                 <a:solidFill>
                   <a:srgbClr val="002060"/>
                 </a:solidFill>
@@ -7829,7 +9283,7 @@
               <a:buChar char="•"/>
             </a:pPr>
             <a:r>
-              <a:rPr lang="hy-AM" altLang="en-US">
+              <a:rPr lang="hy-AM" altLang="en-US" dirty="0">
                 <a:solidFill>
                   <a:srgbClr val="002060"/>
                 </a:solidFill>
@@ -7844,7 +9298,7 @@
               <a:buChar char="•"/>
             </a:pPr>
             <a:r>
-              <a:rPr lang="hy-AM" altLang="en-US">
+              <a:rPr lang="hy-AM" altLang="en-US" dirty="0">
                 <a:solidFill>
                   <a:srgbClr val="002060"/>
                 </a:solidFill>
@@ -7975,7 +9429,7 @@
               </a:rPr>
             </a:br>
             <a:r>
-              <a:rPr lang="hy-AM" altLang="en-US" sz="2400" dirty="0">
+              <a:rPr lang="hy-AM" altLang="en-US" sz="2400" b="1" dirty="0">
                 <a:solidFill>
                   <a:srgbClr val="16165D"/>
                 </a:solidFill>
@@ -7983,7 +9437,7 @@
               </a:rPr>
               <a:t>Իրադարձային տրամաբանական մոդելավորման ալգորիթմը</a:t>
             </a:r>
-            <a:endParaRPr lang="en-US" altLang="en-US" sz="2400" dirty="0">
+            <a:endParaRPr lang="en-US" altLang="en-US" sz="2400" b="1" dirty="0">
               <a:solidFill>
                 <a:srgbClr val="16165D"/>
               </a:solidFill>
@@ -10153,7 +11607,7 @@
               <a:r>
                 <a:rPr lang="hy-AM" altLang="en-US" sz="1400" dirty="0">
                   <a:solidFill>
-                    <a:srgbClr val="16165D"/>
+                    <a:srgbClr val="002060"/>
                   </a:solidFill>
                   <a:latin typeface="Sylfaen" panose="010A0502050306030303" pitchFamily="18" charset="0"/>
                 </a:rPr>
@@ -10161,7 +11615,7 @@
               </a:r>
               <a:endParaRPr lang="en-US" altLang="en-US" sz="1400" dirty="0">
                 <a:solidFill>
-                  <a:srgbClr val="16165D"/>
+                  <a:srgbClr val="002060"/>
                 </a:solidFill>
                 <a:latin typeface="Sylfaen" panose="010A0502050306030303" pitchFamily="18" charset="0"/>
               </a:endParaRPr>
@@ -10533,6 +11987,13 @@
   <p:clrMapOvr>
     <a:masterClrMapping/>
   </p:clrMapOvr>
+  <p:timing>
+    <p:tnLst>
+      <p:par>
+        <p:cTn id="1" dur="indefinite" restart="never" nodeType="tmRoot"/>
+      </p:par>
+    </p:tnLst>
+  </p:timing>
 </p:sld>
 </file>
 
@@ -10892,7 +12353,7 @@
           <a:lstStyle/>
           <a:p>
             <a:r>
-              <a:rPr lang="hy-AM" altLang="en-US" dirty="0">
+              <a:rPr lang="hy-AM" altLang="en-US" b="1" dirty="0">
                 <a:solidFill>
                   <a:srgbClr val="002060"/>
                 </a:solidFill>
@@ -10901,7 +12362,7 @@
               <a:t>Բացառող-կամի </a:t>
             </a:r>
             <a:r>
-              <a:rPr lang="en-US" altLang="en-US" dirty="0">
+              <a:rPr lang="en-US" altLang="en-US" b="1" dirty="0">
                 <a:solidFill>
                   <a:srgbClr val="002060"/>
                 </a:solidFill>
@@ -10910,7 +12371,7 @@
               <a:t>(XOR)</a:t>
             </a:r>
             <a:r>
-              <a:rPr lang="hy-AM" altLang="en-US" dirty="0">
+              <a:rPr lang="hy-AM" altLang="en-US" b="1" dirty="0">
                 <a:solidFill>
                   <a:srgbClr val="002060"/>
                 </a:solidFill>
@@ -10918,7 +12379,7 @@
               </a:rPr>
               <a:t> մոդելավորման օրինակ </a:t>
             </a:r>
-            <a:endParaRPr lang="en-US" altLang="en-US" dirty="0">
+            <a:endParaRPr lang="en-US" altLang="en-US" b="1" dirty="0">
               <a:solidFill>
                 <a:srgbClr val="002060"/>
               </a:solidFill>
@@ -11236,6 +12697,13 @@
   <p:clrMapOvr>
     <a:masterClrMapping/>
   </p:clrMapOvr>
+  <p:timing>
+    <p:tnLst>
+      <p:par>
+        <p:cTn id="1" dur="indefinite" restart="never" nodeType="tmRoot"/>
+      </p:par>
+    </p:tnLst>
+  </p:timing>
 </p:sld>
 </file>
 
@@ -11595,7 +13063,7 @@
           <a:lstStyle/>
           <a:p>
             <a:r>
-              <a:rPr lang="hy-AM" altLang="en-US" dirty="0">
+              <a:rPr lang="hy-AM" altLang="en-US" b="1" dirty="0">
                 <a:solidFill>
                   <a:srgbClr val="002060"/>
                 </a:solidFill>
@@ -11604,7 +13072,7 @@
               <a:t>Բացառող-կամի </a:t>
             </a:r>
             <a:r>
-              <a:rPr lang="en-US" altLang="en-US" dirty="0">
+              <a:rPr lang="en-US" altLang="en-US" b="1" dirty="0">
                 <a:solidFill>
                   <a:srgbClr val="002060"/>
                 </a:solidFill>
@@ -11613,7 +13081,7 @@
               <a:t>(XOR)</a:t>
             </a:r>
             <a:r>
-              <a:rPr lang="hy-AM" altLang="en-US" dirty="0">
+              <a:rPr lang="hy-AM" altLang="en-US" b="1" dirty="0">
                 <a:solidFill>
                   <a:srgbClr val="002060"/>
                 </a:solidFill>
@@ -11621,7 +13089,7 @@
               </a:rPr>
               <a:t> մոդելավորման օրինակ </a:t>
             </a:r>
-            <a:endParaRPr lang="en-US" altLang="en-US" dirty="0">
+            <a:endParaRPr lang="en-US" altLang="en-US" b="1" dirty="0">
               <a:solidFill>
                 <a:srgbClr val="002060"/>
               </a:solidFill>
@@ -11814,6 +13282,13 @@
   <p:clrMapOvr>
     <a:masterClrMapping/>
   </p:clrMapOvr>
+  <p:timing>
+    <p:tnLst>
+      <p:par>
+        <p:cTn id="1" dur="indefinite" restart="never" nodeType="tmRoot"/>
+      </p:par>
+    </p:tnLst>
+  </p:timing>
 </p:sld>
 </file>
 
